--- a/Concept.pptx
+++ b/Concept.pptx
@@ -107,6 +107,11 @@
       </a:defRPr>
     </a:lvl9pPr>
   </p:defaultTextStyle>
+  <p:extLst>
+    <p:ext uri="{EFAFB233-063F-42B5-8137-9DF3F51BA10A}">
+      <p15:sldGuideLst xmlns:p15="http://schemas.microsoft.com/office/powerpoint/2012/main"/>
+    </p:ext>
+  </p:extLst>
 </p:presentation>
 </file>
 
@@ -3505,7 +3510,7 @@
           <a:p>
             <a:r>
               <a:rPr lang="de-CH" dirty="0"/>
-              <a:t>5Byte, norm: Indikator+4werte</a:t>
+              <a:t>Indikator+ 4Zahlen</a:t>
             </a:r>
           </a:p>
           <a:p>
@@ -3523,8 +3528,13 @@
           <a:p>
             <a:r>
               <a:rPr lang="de-CH" dirty="0"/>
-              <a:t>Baudrate = </a:t>
-            </a:r>
+              <a:t>Baudrate </a:t>
+            </a:r>
+            <a:r>
+              <a:rPr lang="de-CH"/>
+              <a:t>= 115k2</a:t>
+            </a:r>
+            <a:endParaRPr lang="de-CH" dirty="0"/>
           </a:p>
           <a:p>
             <a:endParaRPr lang="de-CH" dirty="0"/>
